--- a/VitalLink.pptx
+++ b/VitalLink.pptx
@@ -204,7 +204,7 @@
           <a:p>
             <a:fld id="{9BF774F7-BDE0-4EC9-8427-D6283620A1C3}" type="datetimeFigureOut">
               <a:rPr lang="en-US" smtClean="0"/>
-              <a:t>10/6/2025</a:t>
+              <a:t>10/12/2025</a:t>
             </a:fld>
             <a:endParaRPr lang="en-US"/>
           </a:p>
@@ -618,7 +618,7 @@
           <a:p>
             <a:fld id="{F87F9899-74D6-49FD-A629-4D2DCC762D27}" type="datetimeFigureOut">
               <a:rPr lang="en-US" smtClean="0"/>
-              <a:t>10/6/2025</a:t>
+              <a:t>10/12/2025</a:t>
             </a:fld>
             <a:endParaRPr lang="en-US"/>
           </a:p>
@@ -816,7 +816,7 @@
           <a:p>
             <a:fld id="{F87F9899-74D6-49FD-A629-4D2DCC762D27}" type="datetimeFigureOut">
               <a:rPr lang="en-US" smtClean="0"/>
-              <a:t>10/6/2025</a:t>
+              <a:t>10/12/2025</a:t>
             </a:fld>
             <a:endParaRPr lang="en-US"/>
           </a:p>
@@ -1024,7 +1024,7 @@
           <a:p>
             <a:fld id="{F87F9899-74D6-49FD-A629-4D2DCC762D27}" type="datetimeFigureOut">
               <a:rPr lang="en-US" smtClean="0"/>
-              <a:t>10/6/2025</a:t>
+              <a:t>10/12/2025</a:t>
             </a:fld>
             <a:endParaRPr lang="en-US"/>
           </a:p>
@@ -1222,7 +1222,7 @@
           <a:p>
             <a:fld id="{F87F9899-74D6-49FD-A629-4D2DCC762D27}" type="datetimeFigureOut">
               <a:rPr lang="en-US" smtClean="0"/>
-              <a:t>10/6/2025</a:t>
+              <a:t>10/12/2025</a:t>
             </a:fld>
             <a:endParaRPr lang="en-US"/>
           </a:p>
@@ -1497,7 +1497,7 @@
           <a:p>
             <a:fld id="{F87F9899-74D6-49FD-A629-4D2DCC762D27}" type="datetimeFigureOut">
               <a:rPr lang="en-US" smtClean="0"/>
-              <a:t>10/6/2025</a:t>
+              <a:t>10/12/2025</a:t>
             </a:fld>
             <a:endParaRPr lang="en-US"/>
           </a:p>
@@ -1762,7 +1762,7 @@
           <a:p>
             <a:fld id="{F87F9899-74D6-49FD-A629-4D2DCC762D27}" type="datetimeFigureOut">
               <a:rPr lang="en-US" smtClean="0"/>
-              <a:t>10/6/2025</a:t>
+              <a:t>10/12/2025</a:t>
             </a:fld>
             <a:endParaRPr lang="en-US"/>
           </a:p>
@@ -2174,7 +2174,7 @@
           <a:p>
             <a:fld id="{F87F9899-74D6-49FD-A629-4D2DCC762D27}" type="datetimeFigureOut">
               <a:rPr lang="en-US" smtClean="0"/>
-              <a:t>10/6/2025</a:t>
+              <a:t>10/12/2025</a:t>
             </a:fld>
             <a:endParaRPr lang="en-US"/>
           </a:p>
@@ -2315,7 +2315,7 @@
           <a:p>
             <a:fld id="{F87F9899-74D6-49FD-A629-4D2DCC762D27}" type="datetimeFigureOut">
               <a:rPr lang="en-US" smtClean="0"/>
-              <a:t>10/6/2025</a:t>
+              <a:t>10/12/2025</a:t>
             </a:fld>
             <a:endParaRPr lang="en-US"/>
           </a:p>
@@ -2428,7 +2428,7 @@
           <a:p>
             <a:fld id="{F87F9899-74D6-49FD-A629-4D2DCC762D27}" type="datetimeFigureOut">
               <a:rPr lang="en-US" smtClean="0"/>
-              <a:t>10/6/2025</a:t>
+              <a:t>10/12/2025</a:t>
             </a:fld>
             <a:endParaRPr lang="en-US"/>
           </a:p>
@@ -2739,7 +2739,7 @@
           <a:p>
             <a:fld id="{F87F9899-74D6-49FD-A629-4D2DCC762D27}" type="datetimeFigureOut">
               <a:rPr lang="en-US" smtClean="0"/>
-              <a:t>10/6/2025</a:t>
+              <a:t>10/12/2025</a:t>
             </a:fld>
             <a:endParaRPr lang="en-US"/>
           </a:p>
@@ -3027,7 +3027,7 @@
           <a:p>
             <a:fld id="{F87F9899-74D6-49FD-A629-4D2DCC762D27}" type="datetimeFigureOut">
               <a:rPr lang="en-US" smtClean="0"/>
-              <a:t>10/6/2025</a:t>
+              <a:t>10/12/2025</a:t>
             </a:fld>
             <a:endParaRPr lang="en-US"/>
           </a:p>
@@ -3268,7 +3268,7 @@
           <a:p>
             <a:fld id="{F87F9899-74D6-49FD-A629-4D2DCC762D27}" type="datetimeFigureOut">
               <a:rPr lang="en-US" smtClean="0"/>
-              <a:t>10/6/2025</a:t>
+              <a:t>10/12/2025</a:t>
             </a:fld>
             <a:endParaRPr lang="en-US"/>
           </a:p>
@@ -9214,10 +9214,10 @@
       </p:pic>
       <p:pic>
         <p:nvPicPr>
-          <p:cNvPr id="25" name="Picture 24">
+          <p:cNvPr id="3" name="Picture 2" descr="A diagram of a computer program&#10;&#10;AI-generated content may be incorrect.">
             <a:extLst>
               <a:ext uri="{FF2B5EF4-FFF2-40B4-BE49-F238E27FC236}">
-                <a16:creationId xmlns:a16="http://schemas.microsoft.com/office/drawing/2014/main" id="{D35D50AF-0177-659A-E964-9EE54969AFA5}"/>
+                <a16:creationId xmlns:a16="http://schemas.microsoft.com/office/drawing/2014/main" id="{143E8663-2919-ACE8-F05D-DE00EE17A9B6}"/>
               </a:ext>
             </a:extLst>
           </p:cNvPr>
@@ -9227,15 +9227,21 @@
           <p:nvPr/>
         </p:nvPicPr>
         <p:blipFill>
-          <a:blip r:embed="rId10"/>
+          <a:blip r:embed="rId10">
+            <a:extLst>
+              <a:ext uri="{28A0092B-C50C-407E-A947-70E740481C1C}">
+                <a14:useLocalDpi xmlns:a14="http://schemas.microsoft.com/office/drawing/2010/main" val="0"/>
+              </a:ext>
+            </a:extLst>
+          </a:blip>
           <a:stretch>
             <a:fillRect/>
           </a:stretch>
         </p:blipFill>
         <p:spPr>
           <a:xfrm>
-            <a:off x="3209622" y="1164166"/>
-            <a:ext cx="6424149" cy="5693834"/>
+            <a:off x="3813812" y="1208090"/>
+            <a:ext cx="5622341" cy="4992578"/>
           </a:xfrm>
           <a:prstGeom prst="rect">
             <a:avLst/>
@@ -12209,10 +12215,10 @@
         </p:nvGrpSpPr>
         <p:grpSpPr>
           <a:xfrm>
-            <a:off x="8588284" y="4088862"/>
-            <a:ext cx="2858475" cy="2162444"/>
-            <a:chOff x="3215841" y="1670470"/>
-            <a:chExt cx="2858475" cy="2162444"/>
+            <a:off x="8588284" y="3878213"/>
+            <a:ext cx="2858475" cy="2373093"/>
+            <a:chOff x="3215841" y="1459821"/>
+            <a:chExt cx="2858475" cy="2373093"/>
           </a:xfrm>
           <a:noFill/>
         </p:grpSpPr>
@@ -12230,7 +12236,7 @@
           </p:nvSpPr>
           <p:spPr>
             <a:xfrm>
-              <a:off x="3215841" y="1670470"/>
+              <a:off x="3215841" y="1459821"/>
               <a:ext cx="2858475" cy="461665"/>
             </a:xfrm>
             <a:prstGeom prst="rect">
@@ -12288,8 +12294,8 @@
           </p:nvCxnSpPr>
           <p:spPr>
             <a:xfrm>
-              <a:off x="3215841" y="1901303"/>
-              <a:ext cx="0" cy="1740211"/>
+              <a:off x="3215841" y="1690654"/>
+              <a:ext cx="0" cy="1957594"/>
             </a:xfrm>
             <a:prstGeom prst="line">
               <a:avLst/>
@@ -12980,6 +12986,90 @@
           <a:p>
             <a:pPr algn="ctr"/>
             <a:endParaRPr lang="en-US"/>
+          </a:p>
+        </p:txBody>
+      </p:sp>
+      <p:cxnSp>
+        <p:nvCxnSpPr>
+          <p:cNvPr id="3" name="Straight Arrow Connector 2">
+            <a:extLst>
+              <a:ext uri="{FF2B5EF4-FFF2-40B4-BE49-F238E27FC236}">
+                <a16:creationId xmlns:a16="http://schemas.microsoft.com/office/drawing/2014/main" id="{E51FBBE8-FB75-0C5B-6CA2-1FB625FD5EEA}"/>
+              </a:ext>
+            </a:extLst>
+          </p:cNvPr>
+          <p:cNvCxnSpPr/>
+          <p:nvPr/>
+        </p:nvCxnSpPr>
+        <p:spPr>
+          <a:xfrm>
+            <a:off x="8588284" y="4463592"/>
+            <a:ext cx="579781" cy="0"/>
+          </a:xfrm>
+          <a:prstGeom prst="straightConnector1">
+            <a:avLst/>
+          </a:prstGeom>
+          <a:noFill/>
+          <a:ln w="44450" cap="rnd">
+            <a:prstDash val="sysDash"/>
+            <a:round/>
+            <a:tailEnd type="triangle"/>
+          </a:ln>
+        </p:spPr>
+        <p:style>
+          <a:lnRef idx="2">
+            <a:schemeClr val="accent1"/>
+          </a:lnRef>
+          <a:fillRef idx="0">
+            <a:schemeClr val="accent1"/>
+          </a:fillRef>
+          <a:effectRef idx="1">
+            <a:schemeClr val="accent1"/>
+          </a:effectRef>
+          <a:fontRef idx="minor">
+            <a:schemeClr val="tx1"/>
+          </a:fontRef>
+        </p:style>
+      </p:cxnSp>
+      <p:sp>
+        <p:nvSpPr>
+          <p:cNvPr id="6" name="TextBox 5">
+            <a:extLst>
+              <a:ext uri="{FF2B5EF4-FFF2-40B4-BE49-F238E27FC236}">
+                <a16:creationId xmlns:a16="http://schemas.microsoft.com/office/drawing/2014/main" id="{2F9579F6-5177-5652-0A1C-A8BE19B70EC7}"/>
+              </a:ext>
+            </a:extLst>
+          </p:cNvPr>
+          <p:cNvSpPr txBox="1"/>
+          <p:nvPr/>
+        </p:nvSpPr>
+        <p:spPr>
+          <a:xfrm>
+            <a:off x="9367612" y="4326469"/>
+            <a:ext cx="1429339" cy="369332"/>
+          </a:xfrm>
+          <a:prstGeom prst="rect">
+            <a:avLst/>
+          </a:prstGeom>
+          <a:noFill/>
+        </p:spPr>
+        <p:txBody>
+          <a:bodyPr wrap="square" rtlCol="0">
+            <a:spAutoFit/>
+          </a:bodyPr>
+          <a:lstStyle/>
+          <a:p>
+            <a:r>
+              <a:rPr lang="en-US" dirty="0">
+                <a:solidFill>
+                  <a:schemeClr val="accent6"/>
+                </a:solidFill>
+                <a:latin typeface="ADLaM Display" panose="02010000000000000000" pitchFamily="2" charset="0"/>
+                <a:ea typeface="ADLaM Display" panose="02010000000000000000" pitchFamily="2" charset="0"/>
+                <a:cs typeface="ADLaM Display" panose="02010000000000000000" pitchFamily="2" charset="0"/>
+              </a:rPr>
+              <a:t>Embedded</a:t>
+            </a:r>
           </a:p>
         </p:txBody>
       </p:sp>
